--- a/GIP/documents/Guitarworld.pptx
+++ b/GIP/documents/Guitarworld.pptx
@@ -14,8 +14,8 @@
     <p:sldId id="262" r:id="rId8"/>
     <p:sldId id="263" r:id="rId9"/>
     <p:sldId id="264" r:id="rId10"/>
-    <p:sldId id="265" r:id="rId11"/>
-    <p:sldId id="266" r:id="rId12"/>
+    <p:sldId id="266" r:id="rId11"/>
+    <p:sldId id="265" r:id="rId12"/>
   </p:sldIdLst>
   <p:sldSz cx="12192000" cy="6858000"/>
   <p:notesSz cx="6858000" cy="9144000"/>
@@ -114,6 +114,11 @@
       </a:defRPr>
     </a:lvl9pPr>
   </p:defaultTextStyle>
+  <p:extLst>
+    <p:ext uri="{EFAFB233-063F-42B5-8137-9DF3F51BA10A}">
+      <p15:sldGuideLst xmlns:p15="http://schemas.microsoft.com/office/powerpoint/2012/main"/>
+    </p:ext>
+  </p:extLst>
 </p:presentation>
 </file>
 
@@ -4393,7 +4398,7 @@
           <a:p>
             <a:fld id="{48A87A34-81AB-432B-8DAE-1953F412C126}" type="datetimeFigureOut">
               <a:rPr lang="en-US" dirty="0"/>
-              <a:t>5/21/2020</a:t>
+              <a:t>6/17/2020</a:t>
             </a:fld>
             <a:endParaRPr lang="en-US" dirty="0"/>
           </a:p>
@@ -4655,7 +4660,7 @@
           <a:p>
             <a:fld id="{48A87A34-81AB-432B-8DAE-1953F412C126}" type="datetimeFigureOut">
               <a:rPr lang="en-US" dirty="0"/>
-              <a:t>5/21/2020</a:t>
+              <a:t>6/17/2020</a:t>
             </a:fld>
             <a:endParaRPr lang="en-US" dirty="0"/>
           </a:p>
@@ -4846,7 +4851,7 @@
           <a:p>
             <a:fld id="{48A87A34-81AB-432B-8DAE-1953F412C126}" type="datetimeFigureOut">
               <a:rPr lang="en-US" dirty="0"/>
-              <a:t>5/21/2020</a:t>
+              <a:t>6/17/2020</a:t>
             </a:fld>
             <a:endParaRPr lang="en-US" dirty="0"/>
           </a:p>
@@ -5104,7 +5109,7 @@
           <a:p>
             <a:fld id="{48A87A34-81AB-432B-8DAE-1953F412C126}" type="datetimeFigureOut">
               <a:rPr lang="en-US" dirty="0"/>
-              <a:t>5/21/2020</a:t>
+              <a:t>6/17/2020</a:t>
             </a:fld>
             <a:endParaRPr lang="en-US" dirty="0"/>
           </a:p>
@@ -5533,7 +5538,7 @@
           <a:p>
             <a:fld id="{48A87A34-81AB-432B-8DAE-1953F412C126}" type="datetimeFigureOut">
               <a:rPr lang="en-US" dirty="0"/>
-              <a:t>5/21/2020</a:t>
+              <a:t>6/17/2020</a:t>
             </a:fld>
             <a:endParaRPr lang="en-US" dirty="0"/>
           </a:p>
@@ -6074,7 +6079,7 @@
           <a:p>
             <a:fld id="{48A87A34-81AB-432B-8DAE-1953F412C126}" type="datetimeFigureOut">
               <a:rPr lang="en-US" dirty="0"/>
-              <a:t>5/21/2020</a:t>
+              <a:t>6/17/2020</a:t>
             </a:fld>
             <a:endParaRPr lang="en-US" dirty="0"/>
           </a:p>
@@ -6789,7 +6794,7 @@
           <a:p>
             <a:fld id="{48A87A34-81AB-432B-8DAE-1953F412C126}" type="datetimeFigureOut">
               <a:rPr lang="en-US" dirty="0"/>
-              <a:t>5/21/2020</a:t>
+              <a:t>6/17/2020</a:t>
             </a:fld>
             <a:endParaRPr lang="en-US" dirty="0"/>
           </a:p>
@@ -6954,7 +6959,7 @@
           <a:p>
             <a:fld id="{48A87A34-81AB-432B-8DAE-1953F412C126}" type="datetimeFigureOut">
               <a:rPr lang="en-US" dirty="0"/>
-              <a:t>5/21/2020</a:t>
+              <a:t>6/17/2020</a:t>
             </a:fld>
             <a:endParaRPr lang="en-US" dirty="0"/>
           </a:p>
@@ -7129,7 +7134,7 @@
           <a:p>
             <a:fld id="{48A87A34-81AB-432B-8DAE-1953F412C126}" type="datetimeFigureOut">
               <a:rPr lang="en-US" dirty="0"/>
-              <a:t>5/21/2020</a:t>
+              <a:t>6/17/2020</a:t>
             </a:fld>
             <a:endParaRPr lang="en-US" dirty="0"/>
           </a:p>
@@ -7294,7 +7299,7 @@
           <a:p>
             <a:fld id="{48A87A34-81AB-432B-8DAE-1953F412C126}" type="datetimeFigureOut">
               <a:rPr lang="en-US" dirty="0"/>
-              <a:t>5/21/2020</a:t>
+              <a:t>6/17/2020</a:t>
             </a:fld>
             <a:endParaRPr lang="en-US" dirty="0"/>
           </a:p>
@@ -7539,7 +7544,7 @@
           <a:p>
             <a:fld id="{48A87A34-81AB-432B-8DAE-1953F412C126}" type="datetimeFigureOut">
               <a:rPr lang="en-US" dirty="0"/>
-              <a:t>5/21/2020</a:t>
+              <a:t>6/17/2020</a:t>
             </a:fld>
             <a:endParaRPr lang="en-US" dirty="0"/>
           </a:p>
@@ -7766,7 +7771,7 @@
           <a:p>
             <a:fld id="{48A87A34-81AB-432B-8DAE-1953F412C126}" type="datetimeFigureOut">
               <a:rPr lang="en-US" dirty="0"/>
-              <a:t>5/21/2020</a:t>
+              <a:t>6/17/2020</a:t>
             </a:fld>
             <a:endParaRPr lang="en-US" dirty="0"/>
           </a:p>
@@ -8142,7 +8147,7 @@
           <a:p>
             <a:fld id="{48A87A34-81AB-432B-8DAE-1953F412C126}" type="datetimeFigureOut">
               <a:rPr lang="en-US" dirty="0"/>
-              <a:t>5/21/2020</a:t>
+              <a:t>6/17/2020</a:t>
             </a:fld>
             <a:endParaRPr lang="en-US" dirty="0"/>
           </a:p>
@@ -8255,7 +8260,7 @@
           <a:p>
             <a:fld id="{48A87A34-81AB-432B-8DAE-1953F412C126}" type="datetimeFigureOut">
               <a:rPr lang="en-US" dirty="0"/>
-              <a:t>5/21/2020</a:t>
+              <a:t>6/17/2020</a:t>
             </a:fld>
             <a:endParaRPr lang="en-US" dirty="0"/>
           </a:p>
@@ -8345,7 +8350,7 @@
           <a:p>
             <a:fld id="{48A87A34-81AB-432B-8DAE-1953F412C126}" type="datetimeFigureOut">
               <a:rPr lang="en-US" dirty="0"/>
-              <a:t>5/21/2020</a:t>
+              <a:t>6/17/2020</a:t>
             </a:fld>
             <a:endParaRPr lang="en-US" dirty="0"/>
           </a:p>
@@ -8589,7 +8594,7 @@
           <a:p>
             <a:fld id="{48A87A34-81AB-432B-8DAE-1953F412C126}" type="datetimeFigureOut">
               <a:rPr lang="en-US" dirty="0"/>
-              <a:t>5/21/2020</a:t>
+              <a:t>6/17/2020</a:t>
             </a:fld>
             <a:endParaRPr lang="en-US" dirty="0"/>
           </a:p>
@@ -8864,7 +8869,7 @@
           <a:p>
             <a:fld id="{48A87A34-81AB-432B-8DAE-1953F412C126}" type="datetimeFigureOut">
               <a:rPr lang="en-US" dirty="0"/>
-              <a:t>5/21/2020</a:t>
+              <a:t>6/17/2020</a:t>
             </a:fld>
             <a:endParaRPr lang="en-US" dirty="0"/>
           </a:p>
@@ -11937,7 +11942,7 @@
             <a:fld id="{48A87A34-81AB-432B-8DAE-1953F412C126}" type="datetimeFigureOut">
               <a:rPr lang="en-US" dirty="0"/>
               <a:pPr/>
-              <a:t>5/21/2020</a:t>
+              <a:t>6/17/2020</a:t>
             </a:fld>
             <a:endParaRPr lang="en-US" dirty="0"/>
           </a:p>
@@ -12450,92 +12455,6 @@
 <file path=ppt/slides/slide10.xml><?xml version="1.0" encoding="utf-8"?>
 <p:sld xmlns:a="http://schemas.openxmlformats.org/drawingml/2006/main" xmlns:r="http://schemas.openxmlformats.org/officeDocument/2006/relationships" xmlns:p="http://schemas.openxmlformats.org/presentationml/2006/main">
   <p:cSld>
-    <p:spTree>
-      <p:nvGrpSpPr>
-        <p:cNvPr id="1" name=""/>
-        <p:cNvGrpSpPr/>
-        <p:nvPr/>
-      </p:nvGrpSpPr>
-      <p:grpSpPr>
-        <a:xfrm>
-          <a:off x="0" y="0"/>
-          <a:ext cx="0" cy="0"/>
-          <a:chOff x="0" y="0"/>
-          <a:chExt cx="0" cy="0"/>
-        </a:xfrm>
-      </p:grpSpPr>
-      <p:sp>
-        <p:nvSpPr>
-          <p:cNvPr id="2" name="Titel 1">
-            <a:extLst>
-              <a:ext uri="{FF2B5EF4-FFF2-40B4-BE49-F238E27FC236}">
-                <a16:creationId xmlns:a16="http://schemas.microsoft.com/office/drawing/2014/main" id="{1C043DFF-C436-40FC-82A4-43EADB49F9A4}"/>
-              </a:ext>
-            </a:extLst>
-          </p:cNvPr>
-          <p:cNvSpPr>
-            <a:spLocks noGrp="1"/>
-          </p:cNvSpPr>
-          <p:nvPr>
-            <p:ph type="ctrTitle"/>
-          </p:nvPr>
-        </p:nvSpPr>
-        <p:spPr/>
-        <p:txBody>
-          <a:bodyPr/>
-          <a:lstStyle/>
-          <a:p>
-            <a:r>
-              <a:rPr lang="nl-NL" dirty="0"/>
-              <a:t>Einde</a:t>
-            </a:r>
-          </a:p>
-        </p:txBody>
-      </p:sp>
-      <p:sp>
-        <p:nvSpPr>
-          <p:cNvPr id="3" name="Ondertitel 2">
-            <a:extLst>
-              <a:ext uri="{FF2B5EF4-FFF2-40B4-BE49-F238E27FC236}">
-                <a16:creationId xmlns:a16="http://schemas.microsoft.com/office/drawing/2014/main" id="{DE926408-6D54-4856-89B5-74EB968BE1D3}"/>
-              </a:ext>
-            </a:extLst>
-          </p:cNvPr>
-          <p:cNvSpPr>
-            <a:spLocks noGrp="1"/>
-          </p:cNvSpPr>
-          <p:nvPr>
-            <p:ph type="subTitle" idx="1"/>
-          </p:nvPr>
-        </p:nvSpPr>
-        <p:spPr/>
-        <p:txBody>
-          <a:bodyPr/>
-          <a:lstStyle/>
-          <a:p>
-            <a:r>
-              <a:rPr lang="nl-NL" dirty="0"/>
-              <a:t>Bedankt voor het luisteren</a:t>
-            </a:r>
-          </a:p>
-        </p:txBody>
-      </p:sp>
-    </p:spTree>
-    <p:extLst>
-      <p:ext uri="{BB962C8B-B14F-4D97-AF65-F5344CB8AC3E}">
-        <p14:creationId xmlns:p14="http://schemas.microsoft.com/office/powerpoint/2010/main" val="902293644"/>
-      </p:ext>
-    </p:extLst>
-  </p:cSld>
-  <p:clrMapOvr>
-    <a:masterClrMapping/>
-  </p:clrMapOvr>
-</p:sld>
-</file>
-
-<file path=ppt/slides/slide11.xml><?xml version="1.0" encoding="utf-8"?>
-<p:sld xmlns:a="http://schemas.openxmlformats.org/drawingml/2006/main" xmlns:r="http://schemas.openxmlformats.org/officeDocument/2006/relationships" xmlns:p="http://schemas.openxmlformats.org/presentationml/2006/main">
-  <p:cSld>
     <p:bg>
       <p:bgPr>
         <a:solidFill>
@@ -22741,6 +22660,92 @@
 </p:sld>
 </file>
 
+<file path=ppt/slides/slide11.xml><?xml version="1.0" encoding="utf-8"?>
+<p:sld xmlns:a="http://schemas.openxmlformats.org/drawingml/2006/main" xmlns:r="http://schemas.openxmlformats.org/officeDocument/2006/relationships" xmlns:p="http://schemas.openxmlformats.org/presentationml/2006/main">
+  <p:cSld>
+    <p:spTree>
+      <p:nvGrpSpPr>
+        <p:cNvPr id="1" name=""/>
+        <p:cNvGrpSpPr/>
+        <p:nvPr/>
+      </p:nvGrpSpPr>
+      <p:grpSpPr>
+        <a:xfrm>
+          <a:off x="0" y="0"/>
+          <a:ext cx="0" cy="0"/>
+          <a:chOff x="0" y="0"/>
+          <a:chExt cx="0" cy="0"/>
+        </a:xfrm>
+      </p:grpSpPr>
+      <p:sp>
+        <p:nvSpPr>
+          <p:cNvPr id="2" name="Titel 1">
+            <a:extLst>
+              <a:ext uri="{FF2B5EF4-FFF2-40B4-BE49-F238E27FC236}">
+                <a16:creationId xmlns:a16="http://schemas.microsoft.com/office/drawing/2014/main" id="{1C043DFF-C436-40FC-82A4-43EADB49F9A4}"/>
+              </a:ext>
+            </a:extLst>
+          </p:cNvPr>
+          <p:cNvSpPr>
+            <a:spLocks noGrp="1"/>
+          </p:cNvSpPr>
+          <p:nvPr>
+            <p:ph type="ctrTitle"/>
+          </p:nvPr>
+        </p:nvSpPr>
+        <p:spPr/>
+        <p:txBody>
+          <a:bodyPr/>
+          <a:lstStyle/>
+          <a:p>
+            <a:r>
+              <a:rPr lang="nl-NL" dirty="0"/>
+              <a:t>Einde</a:t>
+            </a:r>
+          </a:p>
+        </p:txBody>
+      </p:sp>
+      <p:sp>
+        <p:nvSpPr>
+          <p:cNvPr id="3" name="Ondertitel 2">
+            <a:extLst>
+              <a:ext uri="{FF2B5EF4-FFF2-40B4-BE49-F238E27FC236}">
+                <a16:creationId xmlns:a16="http://schemas.microsoft.com/office/drawing/2014/main" id="{DE926408-6D54-4856-89B5-74EB968BE1D3}"/>
+              </a:ext>
+            </a:extLst>
+          </p:cNvPr>
+          <p:cNvSpPr>
+            <a:spLocks noGrp="1"/>
+          </p:cNvSpPr>
+          <p:nvPr>
+            <p:ph type="subTitle" idx="1"/>
+          </p:nvPr>
+        </p:nvSpPr>
+        <p:spPr/>
+        <p:txBody>
+          <a:bodyPr/>
+          <a:lstStyle/>
+          <a:p>
+            <a:r>
+              <a:rPr lang="nl-NL" dirty="0"/>
+              <a:t>Bedankt voor het luisteren</a:t>
+            </a:r>
+          </a:p>
+        </p:txBody>
+      </p:sp>
+    </p:spTree>
+    <p:extLst>
+      <p:ext uri="{BB962C8B-B14F-4D97-AF65-F5344CB8AC3E}">
+        <p14:creationId xmlns:p14="http://schemas.microsoft.com/office/powerpoint/2010/main" val="902293644"/>
+      </p:ext>
+    </p:extLst>
+  </p:cSld>
+  <p:clrMapOvr>
+    <a:masterClrMapping/>
+  </p:clrMapOvr>
+</p:sld>
+</file>
+
 <file path=ppt/slides/slide2.xml><?xml version="1.0" encoding="utf-8"?>
 <p:sld xmlns:a="http://schemas.openxmlformats.org/drawingml/2006/main" xmlns:r="http://schemas.openxmlformats.org/officeDocument/2006/relationships" xmlns:p="http://schemas.openxmlformats.org/presentationml/2006/main">
   <p:cSld>
@@ -22814,14 +22819,13 @@
           <a:p>
             <a:r>
               <a:rPr lang="nl-NL" dirty="0"/>
-              <a:t>Zeno Boumerkhoufa</a:t>
+              <a:t>Zeno </a:t>
             </a:r>
-          </a:p>
-          <a:p>
             <a:r>
-              <a:rPr lang="nl-NL" dirty="0"/>
-              <a:t>Van Damme Maggie</a:t>
+              <a:rPr lang="nl-NL" dirty="0" err="1"/>
+              <a:t>Boumerkhoufa</a:t>
             </a:r>
+            <a:endParaRPr lang="nl-NL" dirty="0"/>
           </a:p>
           <a:p>
             <a:r>
@@ -23140,7 +23144,7 @@
           <a:p>
             <a:r>
               <a:rPr lang="nl-NL" dirty="0"/>
-              <a:t>Beschikbaar aantal tonen</a:t>
+              <a:t>Aantal beschikbare producten tonen</a:t>
             </a:r>
           </a:p>
           <a:p>
@@ -23319,10 +23323,10 @@
       </p:sp>
       <p:pic>
         <p:nvPicPr>
-          <p:cNvPr id="3" name="Afbeelding 2">
+          <p:cNvPr id="5" name="Afbeelding 4" descr="Afbeelding met schermafbeelding&#10;&#10;Automatisch gegenereerde beschrijving">
             <a:extLst>
               <a:ext uri="{FF2B5EF4-FFF2-40B4-BE49-F238E27FC236}">
-                <a16:creationId xmlns:a16="http://schemas.microsoft.com/office/drawing/2014/main" id="{CC773242-9147-4EF8-8C0E-496E122A5917}"/>
+                <a16:creationId xmlns:a16="http://schemas.microsoft.com/office/drawing/2014/main" id="{D0416582-9056-4B44-8DC2-C7EBF777DDE9}"/>
               </a:ext>
             </a:extLst>
           </p:cNvPr>
@@ -23331,16 +23335,15 @@
           </p:cNvPicPr>
           <p:nvPr/>
         </p:nvPicPr>
-        <p:blipFill>
+        <p:blipFill rotWithShape="1">
           <a:blip r:embed="rId2"/>
-          <a:stretch>
-            <a:fillRect/>
-          </a:stretch>
+          <a:srcRect l="16071" t="22041" r="38163" b="37415"/>
+          <a:stretch/>
         </p:blipFill>
         <p:spPr>
           <a:xfrm>
-            <a:off x="1143001" y="862012"/>
-            <a:ext cx="7731376" cy="5995988"/>
+            <a:off x="1143000" y="1017037"/>
+            <a:ext cx="10466623" cy="5215812"/>
           </a:xfrm>
           <a:prstGeom prst="rect">
             <a:avLst/>
